--- a/docs/diagrams/WhiteBlackDiagrams/UndoRedoActivityDiagram.pptx
+++ b/docs/diagrams/WhiteBlackDiagrams/UndoRedoActivityDiagram.pptx
@@ -3352,7 +3352,7 @@
           <p:cNvPr id="2" name="Group 1">
             <a:extLst>
               <a:ext uri="{FF2B5EF4-FFF2-40B4-BE49-F238E27FC236}">
-                <a16:creationId xmlns:a16="http://schemas.microsoft.com/office/drawing/2014/main" id="{579CCD82-6454-0842-873F-A5654CD02FC6}"/>
+                <a16:creationId xmlns:a16="http://schemas.microsoft.com/office/drawing/2014/main" id="{32620393-168A-824C-BE2B-06CD6F1F3D82}"/>
               </a:ext>
             </a:extLst>
           </p:cNvPr>
@@ -3361,10 +3361,10 @@
         </p:nvGrpSpPr>
         <p:grpSpPr>
           <a:xfrm>
-            <a:off x="219879" y="2169647"/>
-            <a:ext cx="11790151" cy="2552479"/>
-            <a:chOff x="1120632" y="2466599"/>
-            <a:chExt cx="9073675" cy="1682174"/>
+            <a:off x="1120632" y="2435987"/>
+            <a:ext cx="10343487" cy="2201375"/>
+            <a:chOff x="1120632" y="2409083"/>
+            <a:chExt cx="9073675" cy="1716168"/>
           </a:xfrm>
         </p:grpSpPr>
         <p:sp>
@@ -3381,15 +3381,13 @@
           </p:nvSpPr>
           <p:spPr>
             <a:xfrm>
-              <a:off x="3742155" y="2572667"/>
+              <a:off x="3733354" y="2572667"/>
               <a:ext cx="1602669" cy="369460"/>
             </a:xfrm>
             <a:prstGeom prst="rect">
               <a:avLst/>
             </a:prstGeom>
-            <a:solidFill>
-              <a:schemeClr val="bg1"/>
-            </a:solidFill>
+            <a:noFill/>
             <a:ln>
               <a:solidFill>
                 <a:schemeClr val="bg1"/>
@@ -3443,15 +3441,13 @@
           </p:nvSpPr>
           <p:spPr>
             <a:xfrm>
-              <a:off x="3348788" y="3779313"/>
+              <a:off x="3429550" y="3755791"/>
               <a:ext cx="853127" cy="369460"/>
             </a:xfrm>
             <a:prstGeom prst="rect">
               <a:avLst/>
             </a:prstGeom>
-            <a:solidFill>
-              <a:schemeClr val="bg1"/>
-            </a:solidFill>
+            <a:noFill/>
             <a:ln>
               <a:solidFill>
                 <a:schemeClr val="bg1"/>
@@ -3485,15 +3481,13 @@
           </p:nvSpPr>
           <p:spPr>
             <a:xfrm>
-              <a:off x="6736692" y="3531625"/>
+              <a:off x="6695019" y="3491842"/>
               <a:ext cx="853127" cy="369460"/>
             </a:xfrm>
             <a:prstGeom prst="rect">
               <a:avLst/>
             </a:prstGeom>
-            <a:solidFill>
-              <a:schemeClr val="bg1"/>
-            </a:solidFill>
+            <a:noFill/>
             <a:ln>
               <a:solidFill>
                 <a:schemeClr val="bg1"/>
@@ -3527,15 +3521,13 @@
           </p:nvSpPr>
           <p:spPr>
             <a:xfrm>
-              <a:off x="6096959" y="2466599"/>
+              <a:off x="6026877" y="2409083"/>
               <a:ext cx="1414021" cy="646587"/>
             </a:xfrm>
             <a:prstGeom prst="rect">
               <a:avLst/>
             </a:prstGeom>
-            <a:solidFill>
-              <a:schemeClr val="bg1"/>
-            </a:solidFill>
+            <a:noFill/>
             <a:ln>
               <a:solidFill>
                 <a:schemeClr val="bg1"/>
@@ -3575,9 +3567,7 @@
             <a:prstGeom prst="ellipse">
               <a:avLst/>
             </a:prstGeom>
-            <a:solidFill>
-              <a:schemeClr val="bg1"/>
-            </a:solidFill>
+            <a:noFill/>
             <a:ln>
               <a:solidFill>
                 <a:schemeClr val="tx1"/>
@@ -3682,9 +3672,7 @@
             <a:prstGeom prst="roundRect">
               <a:avLst/>
             </a:prstGeom>
-            <a:solidFill>
-              <a:schemeClr val="bg1"/>
-            </a:solidFill>
+            <a:noFill/>
             <a:ln>
               <a:solidFill>
                 <a:schemeClr val="tx1"/>
@@ -3791,9 +3779,7 @@
             <a:prstGeom prst="diamond">
               <a:avLst/>
             </a:prstGeom>
-            <a:solidFill>
-              <a:schemeClr val="bg1"/>
-            </a:solidFill>
+            <a:noFill/>
             <a:ln>
               <a:solidFill>
                 <a:schemeClr val="tx1"/>
@@ -3852,9 +3838,7 @@
             <a:prstGeom prst="roundRect">
               <a:avLst/>
             </a:prstGeom>
-            <a:solidFill>
-              <a:schemeClr val="bg1"/>
-            </a:solidFill>
+            <a:noFill/>
             <a:ln>
               <a:solidFill>
                 <a:schemeClr val="tx1"/>
@@ -3916,9 +3900,7 @@
             <a:prstGeom prst="diamond">
               <a:avLst/>
             </a:prstGeom>
-            <a:solidFill>
-              <a:schemeClr val="bg1"/>
-            </a:solidFill>
+            <a:noFill/>
             <a:ln>
               <a:solidFill>
                 <a:schemeClr val="tx1"/>
@@ -3977,9 +3959,7 @@
             <a:prstGeom prst="diamond">
               <a:avLst/>
             </a:prstGeom>
-            <a:solidFill>
-              <a:schemeClr val="bg1"/>
-            </a:solidFill>
+            <a:noFill/>
             <a:ln>
               <a:solidFill>
                 <a:schemeClr val="tx1"/>
@@ -4038,9 +4018,7 @@
             <a:prstGeom prst="roundRect">
               <a:avLst/>
             </a:prstGeom>
-            <a:solidFill>
-              <a:schemeClr val="bg1"/>
-            </a:solidFill>
+            <a:noFill/>
             <a:ln>
               <a:solidFill>
                 <a:schemeClr val="tx1"/>
@@ -4102,9 +4080,7 @@
             <a:prstGeom prst="diamond">
               <a:avLst/>
             </a:prstGeom>
-            <a:solidFill>
-              <a:schemeClr val="bg1"/>
-            </a:solidFill>
+            <a:noFill/>
             <a:ln>
               <a:solidFill>
                 <a:schemeClr val="tx1"/>
@@ -4208,9 +4184,7 @@
               <a:chOff x="8040730" y="5082186"/>
               <a:chExt cx="235669" cy="235669"/>
             </a:xfrm>
-            <a:solidFill>
-              <a:schemeClr val="bg1"/>
-            </a:solidFill>
+            <a:noFill/>
           </p:grpSpPr>
           <p:sp>
             <p:nvSpPr>
